--- a/_SLIDES/2020_DEEL1/H8-Arrays/6b_arrays en methoden.pptx
+++ b/_SLIDES/2020_DEEL1/H8-Arrays/6b_arrays en methoden.pptx
@@ -236,7 +236,7 @@
           <a:p>
             <a:fld id="{AAB1E9D1-C262-4CF5-AED2-7DBFF7C74527}" type="datetimeFigureOut">
               <a:rPr lang="nl-BE" smtClean="0"/>
-              <a:t>21/09/2020</a:t>
+              <a:t>14/10/2020</a:t>
             </a:fld>
             <a:endParaRPr lang="nl-BE"/>
           </a:p>
@@ -1735,7 +1735,7 @@
           <a:p>
             <a:fld id="{2661A00B-007A-4326-8859-8C83DD4C6E5D}" type="datetimeFigureOut">
               <a:rPr lang="nl-BE" smtClean="0"/>
-              <a:t>21/09/2020</a:t>
+              <a:t>14/10/2020</a:t>
             </a:fld>
             <a:endParaRPr lang="nl-BE"/>
           </a:p>
@@ -2028,7 +2028,7 @@
           <a:p>
             <a:fld id="{2661A00B-007A-4326-8859-8C83DD4C6E5D}" type="datetimeFigureOut">
               <a:rPr lang="nl-BE" smtClean="0"/>
-              <a:t>21/09/2020</a:t>
+              <a:t>14/10/2020</a:t>
             </a:fld>
             <a:endParaRPr lang="nl-BE"/>
           </a:p>
@@ -2238,7 +2238,7 @@
           <a:p>
             <a:fld id="{2661A00B-007A-4326-8859-8C83DD4C6E5D}" type="datetimeFigureOut">
               <a:rPr lang="nl-BE" smtClean="0"/>
-              <a:t>21/09/2020</a:t>
+              <a:t>14/10/2020</a:t>
             </a:fld>
             <a:endParaRPr lang="nl-BE"/>
           </a:p>
@@ -2468,7 +2468,7 @@
           <a:p>
             <a:fld id="{2661A00B-007A-4326-8859-8C83DD4C6E5D}" type="datetimeFigureOut">
               <a:rPr lang="nl-BE" smtClean="0"/>
-              <a:t>21/09/2020</a:t>
+              <a:t>14/10/2020</a:t>
             </a:fld>
             <a:endParaRPr lang="nl-BE"/>
           </a:p>
@@ -2744,7 +2744,7 @@
           <a:p>
             <a:fld id="{2661A00B-007A-4326-8859-8C83DD4C6E5D}" type="datetimeFigureOut">
               <a:rPr lang="nl-BE" smtClean="0"/>
-              <a:t>21/09/2020</a:t>
+              <a:t>14/10/2020</a:t>
             </a:fld>
             <a:endParaRPr lang="nl-BE"/>
           </a:p>
@@ -3012,7 +3012,7 @@
           <a:p>
             <a:fld id="{2661A00B-007A-4326-8859-8C83DD4C6E5D}" type="datetimeFigureOut">
               <a:rPr lang="nl-BE" smtClean="0"/>
-              <a:t>21/09/2020</a:t>
+              <a:t>14/10/2020</a:t>
             </a:fld>
             <a:endParaRPr lang="nl-BE"/>
           </a:p>
@@ -3427,7 +3427,7 @@
           <a:p>
             <a:fld id="{2661A00B-007A-4326-8859-8C83DD4C6E5D}" type="datetimeFigureOut">
               <a:rPr lang="nl-BE" smtClean="0"/>
-              <a:t>21/09/2020</a:t>
+              <a:t>14/10/2020</a:t>
             </a:fld>
             <a:endParaRPr lang="nl-BE"/>
           </a:p>
@@ -3569,7 +3569,7 @@
           <a:p>
             <a:fld id="{2661A00B-007A-4326-8859-8C83DD4C6E5D}" type="datetimeFigureOut">
               <a:rPr lang="nl-BE" smtClean="0"/>
-              <a:t>21/09/2020</a:t>
+              <a:t>14/10/2020</a:t>
             </a:fld>
             <a:endParaRPr lang="nl-BE"/>
           </a:p>
@@ -3682,7 +3682,7 @@
           <a:p>
             <a:fld id="{2661A00B-007A-4326-8859-8C83DD4C6E5D}" type="datetimeFigureOut">
               <a:rPr lang="nl-BE" smtClean="0"/>
-              <a:t>21/09/2020</a:t>
+              <a:t>14/10/2020</a:t>
             </a:fld>
             <a:endParaRPr lang="nl-BE"/>
           </a:p>
@@ -3995,7 +3995,7 @@
           <a:p>
             <a:fld id="{2661A00B-007A-4326-8859-8C83DD4C6E5D}" type="datetimeFigureOut">
               <a:rPr lang="nl-BE" smtClean="0"/>
-              <a:t>21/09/2020</a:t>
+              <a:t>14/10/2020</a:t>
             </a:fld>
             <a:endParaRPr lang="nl-BE"/>
           </a:p>
@@ -4288,7 +4288,7 @@
           <a:p>
             <a:fld id="{2661A00B-007A-4326-8859-8C83DD4C6E5D}" type="datetimeFigureOut">
               <a:rPr lang="nl-BE" smtClean="0"/>
-              <a:t>21/09/2020</a:t>
+              <a:t>14/10/2020</a:t>
             </a:fld>
             <a:endParaRPr lang="nl-BE"/>
           </a:p>
@@ -4531,7 +4531,7 @@
           <a:p>
             <a:fld id="{2661A00B-007A-4326-8859-8C83DD4C6E5D}" type="datetimeFigureOut">
               <a:rPr lang="nl-BE" smtClean="0"/>
-              <a:t>21/09/2020</a:t>
+              <a:t>14/10/2020</a:t>
             </a:fld>
             <a:endParaRPr lang="nl-BE"/>
           </a:p>
@@ -6009,8 +6009,8 @@
         </p:nvSpPr>
         <p:spPr>
           <a:xfrm>
-            <a:off x="3519948" y="2902662"/>
-            <a:ext cx="6096000" cy="646331"/>
+            <a:off x="2362200" y="2570133"/>
+            <a:ext cx="9260348" cy="2862322"/>
           </a:xfrm>
           <a:prstGeom prst="rect">
             <a:avLst/>
@@ -6024,20 +6024,45 @@
           <a:lstStyle/>
           <a:p>
             <a:r>
+              <a:rPr lang="nl-BE" sz="3600" dirty="0"/>
+              <a:t>//Enkel eerste 5 elementen</a:t>
+            </a:r>
+          </a:p>
+          <a:p>
+            <a:r>
               <a:rPr lang="nl-BE" sz="3600" dirty="0" err="1"/>
               <a:t>Array.Clear</a:t>
             </a:r>
             <a:r>
               <a:rPr lang="nl-BE" sz="3600" dirty="0"/>
-              <a:t>(</a:t>
-            </a:r>
+              <a:t>(myColors,0,5);</a:t>
+            </a:r>
+          </a:p>
+          <a:p>
+            <a:endParaRPr lang="nl-BE" sz="3600" dirty="0"/>
+          </a:p>
+          <a:p>
+            <a:r>
+              <a:rPr lang="nl-BE" sz="3600" dirty="0"/>
+              <a:t>//Alles verwijderen</a:t>
+            </a:r>
+          </a:p>
+          <a:p>
             <a:r>
               <a:rPr lang="nl-BE" sz="3600" dirty="0" err="1"/>
-              <a:t>myColors</a:t>
+              <a:t>Array.Clear</a:t>
             </a:r>
             <a:r>
               <a:rPr lang="nl-BE" sz="3600" dirty="0"/>
-              <a:t>);</a:t>
+              <a:t>(myColors,0, </a:t>
+            </a:r>
+            <a:r>
+              <a:rPr lang="nl-BE" sz="3600" dirty="0" err="1"/>
+              <a:t>myColors.Length</a:t>
+            </a:r>
+            <a:r>
+              <a:rPr lang="nl-BE" sz="3600" dirty="0"/>
+              <a:t>); </a:t>
             </a:r>
           </a:p>
         </p:txBody>
